--- a/Quiz.pptx
+++ b/Quiz.pptx
@@ -3410,119 +3410,140 @@
       </p:grpSpPr>
       <p:sp>
         <p:nvSpPr>
-          <p:cNvPr id="4" name="Rectangle: Rounded Corners 3">
-            <a:extLst>
-              <a:ext uri="{FF2B5EF4-FFF2-40B4-BE49-F238E27FC236}">
-                <a16:creationId xmlns:a16="http://schemas.microsoft.com/office/drawing/2014/main" id="{D20B49CE-1857-46D9-B1B9-C72DB5DBC037}"/>
-              </a:ext>
-            </a:extLst>
-          </p:cNvPr>
-          <p:cNvSpPr/>
+          <p:cNvPr id="10" name="Title 9">
+            <a:extLst>
+              <a:ext uri="{FF2B5EF4-FFF2-40B4-BE49-F238E27FC236}">
+                <a16:creationId xmlns:a16="http://schemas.microsoft.com/office/drawing/2014/main" id="{3E885F7F-11C5-44BB-A5A9-13DC4A349A5C}"/>
+              </a:ext>
+            </a:extLst>
+          </p:cNvPr>
+          <p:cNvSpPr>
+            <a:spLocks noGrp="1"/>
+          </p:cNvSpPr>
+          <p:nvPr>
+            <p:ph type="title"/>
+          </p:nvPr>
+        </p:nvSpPr>
+        <p:spPr/>
+        <p:txBody>
+          <a:bodyPr/>
+          <a:lstStyle/>
+          <a:p>
+            <a:r>
+              <a:rPr lang="en-US"/>
+              <a:t>Quiz 001</a:t>
+            </a:r>
+            <a:endParaRPr lang="en-ID"/>
+          </a:p>
+        </p:txBody>
+      </p:sp>
+      <p:grpSp>
+        <p:nvGrpSpPr>
+          <p:cNvPr id="7" name="Group 6">
+            <a:extLst>
+              <a:ext uri="{FF2B5EF4-FFF2-40B4-BE49-F238E27FC236}">
+                <a16:creationId xmlns:a16="http://schemas.microsoft.com/office/drawing/2014/main" id="{FBA238B8-A4D9-4030-8FAF-1EA25FB4BDD2}"/>
+              </a:ext>
+            </a:extLst>
+          </p:cNvPr>
+          <p:cNvGrpSpPr/>
           <p:nvPr/>
-        </p:nvSpPr>
-        <p:spPr>
+        </p:nvGrpSpPr>
+        <p:grpSpPr>
           <a:xfrm>
             <a:off x="919163" y="1795464"/>
             <a:ext cx="7685134" cy="1409296"/>
+            <a:chOff x="919163" y="1795464"/>
+            <a:chExt cx="7685134" cy="1409296"/>
           </a:xfrm>
-          <a:prstGeom prst="roundRect">
-            <a:avLst>
-              <a:gd name="adj" fmla="val 5922"/>
-            </a:avLst>
-          </a:prstGeom>
-          <a:solidFill>
-            <a:srgbClr val="1E1E1E"/>
-          </a:solidFill>
-          <a:ln w="76200">
+        </p:grpSpPr>
+        <p:sp>
+          <p:nvSpPr>
+            <p:cNvPr id="4" name="Rectangle: Rounded Corners 3">
+              <a:extLst>
+                <a:ext uri="{FF2B5EF4-FFF2-40B4-BE49-F238E27FC236}">
+                  <a16:creationId xmlns:a16="http://schemas.microsoft.com/office/drawing/2014/main" id="{D20B49CE-1857-46D9-B1B9-C72DB5DBC037}"/>
+                </a:ext>
+              </a:extLst>
+            </p:cNvPr>
+            <p:cNvSpPr/>
+            <p:nvPr/>
+          </p:nvSpPr>
+          <p:spPr>
+            <a:xfrm>
+              <a:off x="919163" y="1795464"/>
+              <a:ext cx="7685134" cy="1409296"/>
+            </a:xfrm>
+            <a:prstGeom prst="roundRect">
+              <a:avLst>
+                <a:gd name="adj" fmla="val 5922"/>
+              </a:avLst>
+            </a:prstGeom>
             <a:solidFill>
-              <a:srgbClr val="7030A0"/>
+              <a:srgbClr val="1E1E1E"/>
             </a:solidFill>
-          </a:ln>
-        </p:spPr>
-        <p:style>
-          <a:lnRef idx="2">
-            <a:schemeClr val="accent1">
-              <a:shade val="50000"/>
-            </a:schemeClr>
-          </a:lnRef>
-          <a:fillRef idx="1">
-            <a:schemeClr val="accent1"/>
-          </a:fillRef>
-          <a:effectRef idx="0">
-            <a:schemeClr val="accent1"/>
-          </a:effectRef>
-          <a:fontRef idx="minor">
-            <a:schemeClr val="lt1"/>
-          </a:fontRef>
-        </p:style>
-        <p:txBody>
-          <a:bodyPr rtlCol="0" anchor="ctr"/>
-          <a:lstStyle/>
-          <a:p>
-            <a:pPr algn="ctr"/>
-            <a:endParaRPr lang="en-ID"/>
-          </a:p>
-        </p:txBody>
-      </p:sp>
-      <p:sp>
-        <p:nvSpPr>
-          <p:cNvPr id="10" name="Title 9">
-            <a:extLst>
-              <a:ext uri="{FF2B5EF4-FFF2-40B4-BE49-F238E27FC236}">
-                <a16:creationId xmlns:a16="http://schemas.microsoft.com/office/drawing/2014/main" id="{3E885F7F-11C5-44BB-A5A9-13DC4A349A5C}"/>
-              </a:ext>
-            </a:extLst>
-          </p:cNvPr>
-          <p:cNvSpPr>
-            <a:spLocks noGrp="1"/>
-          </p:cNvSpPr>
-          <p:nvPr>
-            <p:ph type="title"/>
-          </p:nvPr>
-        </p:nvSpPr>
-        <p:spPr/>
-        <p:txBody>
-          <a:bodyPr/>
-          <a:lstStyle/>
-          <a:p>
-            <a:r>
-              <a:rPr lang="en-US"/>
-              <a:t>Quiz 001</a:t>
-            </a:r>
-            <a:endParaRPr lang="en-ID"/>
-          </a:p>
-        </p:txBody>
-      </p:sp>
-      <p:pic>
-        <p:nvPicPr>
-          <p:cNvPr id="6" name="Picture 5">
-            <a:extLst>
-              <a:ext uri="{FF2B5EF4-FFF2-40B4-BE49-F238E27FC236}">
-                <a16:creationId xmlns:a16="http://schemas.microsoft.com/office/drawing/2014/main" id="{27169EC9-EC89-4F5A-9BFD-B8BA4C0BAD67}"/>
-              </a:ext>
-            </a:extLst>
-          </p:cNvPr>
-          <p:cNvPicPr>
-            <a:picLocks noChangeAspect="1"/>
-          </p:cNvPicPr>
-          <p:nvPr/>
-        </p:nvPicPr>
-        <p:blipFill>
-          <a:blip r:embed="rId2"/>
-          <a:stretch>
-            <a:fillRect/>
-          </a:stretch>
-        </p:blipFill>
-        <p:spPr>
-          <a:xfrm>
-            <a:off x="1046980" y="2128636"/>
-            <a:ext cx="7429500" cy="742950"/>
-          </a:xfrm>
-          <a:prstGeom prst="rect">
-            <a:avLst/>
-          </a:prstGeom>
-        </p:spPr>
-      </p:pic>
+            <a:ln w="76200">
+              <a:solidFill>
+                <a:srgbClr val="7030A0"/>
+              </a:solidFill>
+            </a:ln>
+          </p:spPr>
+          <p:style>
+            <a:lnRef idx="2">
+              <a:schemeClr val="accent1">
+                <a:shade val="50000"/>
+              </a:schemeClr>
+            </a:lnRef>
+            <a:fillRef idx="1">
+              <a:schemeClr val="accent1"/>
+            </a:fillRef>
+            <a:effectRef idx="0">
+              <a:schemeClr val="accent1"/>
+            </a:effectRef>
+            <a:fontRef idx="minor">
+              <a:schemeClr val="lt1"/>
+            </a:fontRef>
+          </p:style>
+          <p:txBody>
+            <a:bodyPr rtlCol="0" anchor="ctr"/>
+            <a:lstStyle/>
+            <a:p>
+              <a:pPr algn="ctr"/>
+              <a:endParaRPr lang="en-ID"/>
+            </a:p>
+          </p:txBody>
+        </p:sp>
+        <p:pic>
+          <p:nvPicPr>
+            <p:cNvPr id="6" name="Picture 5">
+              <a:extLst>
+                <a:ext uri="{FF2B5EF4-FFF2-40B4-BE49-F238E27FC236}">
+                  <a16:creationId xmlns:a16="http://schemas.microsoft.com/office/drawing/2014/main" id="{27169EC9-EC89-4F5A-9BFD-B8BA4C0BAD67}"/>
+                </a:ext>
+              </a:extLst>
+            </p:cNvPr>
+            <p:cNvPicPr>
+              <a:picLocks noChangeAspect="1"/>
+            </p:cNvPicPr>
+            <p:nvPr/>
+          </p:nvPicPr>
+          <p:blipFill>
+            <a:blip r:embed="rId2"/>
+            <a:stretch>
+              <a:fillRect/>
+            </a:stretch>
+          </p:blipFill>
+          <p:spPr>
+            <a:xfrm>
+              <a:off x="1046980" y="2128636"/>
+              <a:ext cx="7429500" cy="742950"/>
+            </a:xfrm>
+            <a:prstGeom prst="rect">
+              <a:avLst/>
+            </a:prstGeom>
+          </p:spPr>
+        </p:pic>
+      </p:grpSp>
     </p:spTree>
     <p:extLst>
       <p:ext uri="{BB962C8B-B14F-4D97-AF65-F5344CB8AC3E}">

--- a/Quiz.pptx
+++ b/Quiz.pptx
@@ -3544,6 +3544,68 @@
           </p:spPr>
         </p:pic>
       </p:grpSp>
+      <p:sp>
+        <p:nvSpPr>
+          <p:cNvPr id="9" name="Rectangle: Rounded Corners 8">
+            <a:extLst>
+              <a:ext uri="{FF2B5EF4-FFF2-40B4-BE49-F238E27FC236}">
+                <a16:creationId xmlns:a16="http://schemas.microsoft.com/office/drawing/2014/main" id="{A0C45681-A2B3-486E-8CB7-66A8C42B78E5}"/>
+              </a:ext>
+            </a:extLst>
+          </p:cNvPr>
+          <p:cNvSpPr/>
+          <p:nvPr/>
+        </p:nvSpPr>
+        <p:spPr>
+          <a:xfrm>
+            <a:off x="919163" y="3611385"/>
+            <a:ext cx="7685134" cy="1409296"/>
+          </a:xfrm>
+          <a:prstGeom prst="roundRect">
+            <a:avLst>
+              <a:gd name="adj" fmla="val 5922"/>
+            </a:avLst>
+          </a:prstGeom>
+          <a:solidFill>
+            <a:srgbClr val="1E1E1E"/>
+          </a:solidFill>
+          <a:ln w="76200">
+            <a:solidFill>
+              <a:srgbClr val="00B050"/>
+            </a:solidFill>
+          </a:ln>
+        </p:spPr>
+        <p:style>
+          <a:lnRef idx="2">
+            <a:schemeClr val="accent1">
+              <a:shade val="50000"/>
+            </a:schemeClr>
+          </a:lnRef>
+          <a:fillRef idx="1">
+            <a:schemeClr val="accent1"/>
+          </a:fillRef>
+          <a:effectRef idx="0">
+            <a:schemeClr val="accent1"/>
+          </a:effectRef>
+          <a:fontRef idx="minor">
+            <a:schemeClr val="lt1"/>
+          </a:fontRef>
+        </p:style>
+        <p:txBody>
+          <a:bodyPr rtlCol="0" anchor="ctr"/>
+          <a:lstStyle/>
+          <a:p>
+            <a:pPr algn="ctr"/>
+            <a:r>
+              <a:rPr lang="en-ID" sz="2800">
+                <a:latin typeface="Cascadia Code" panose="020B0609020000020004" pitchFamily="49" charset="0"/>
+                <a:cs typeface="Cascadia Code" panose="020B0609020000020004" pitchFamily="49" charset="0"/>
+              </a:rPr>
+              <a:t>Hello, 2022!</a:t>
+            </a:r>
+          </a:p>
+        </p:txBody>
+      </p:sp>
     </p:spTree>
     <p:extLst>
       <p:ext uri="{BB962C8B-B14F-4D97-AF65-F5344CB8AC3E}">
